--- a/Later/Spring/6_Spring_Auto_Component_Scanning/5/Spring Auto-Wiring Beans with @Autowired annotation.pptx
+++ b/Later/Spring/6_Spring_Auto_Component_Scanning/5/Spring Auto-Wiring Beans with @Autowired annotation.pptx
@@ -194,7 +194,7 @@
           <a:p>
             <a:fld id="{62274EC6-3890-417B-9308-14EFBD00FA63}" type="datetimeFigureOut">
               <a:rPr lang="en-US" smtClean="0"/>
-              <a:t>3/22/2018</a:t>
+              <a:t>4/2/2018</a:t>
             </a:fld>
             <a:endParaRPr lang="en-US" dirty="0"/>
           </a:p>
@@ -911,7 +911,7 @@
             <a:fld id="{1D8BD707-D9CF-40AE-B4C6-C98DA3205C09}" type="datetimeFigureOut">
               <a:rPr lang="en-US" smtClean="0"/>
               <a:pPr/>
-              <a:t>3/22/2018</a:t>
+              <a:t>4/2/2018</a:t>
             </a:fld>
             <a:endParaRPr lang="en-US" dirty="0"/>
           </a:p>
@@ -1083,7 +1083,7 @@
             <a:fld id="{1D8BD707-D9CF-40AE-B4C6-C98DA3205C09}" type="datetimeFigureOut">
               <a:rPr lang="en-US" smtClean="0"/>
               <a:pPr/>
-              <a:t>3/22/2018</a:t>
+              <a:t>4/2/2018</a:t>
             </a:fld>
             <a:endParaRPr lang="en-US" dirty="0"/>
           </a:p>
@@ -1265,7 +1265,7 @@
             <a:fld id="{1D8BD707-D9CF-40AE-B4C6-C98DA3205C09}" type="datetimeFigureOut">
               <a:rPr lang="en-US" smtClean="0"/>
               <a:pPr/>
-              <a:t>3/22/2018</a:t>
+              <a:t>4/2/2018</a:t>
             </a:fld>
             <a:endParaRPr lang="en-US" dirty="0"/>
           </a:p>
@@ -1437,7 +1437,7 @@
             <a:fld id="{1D8BD707-D9CF-40AE-B4C6-C98DA3205C09}" type="datetimeFigureOut">
               <a:rPr lang="en-US" smtClean="0"/>
               <a:pPr/>
-              <a:t>3/22/2018</a:t>
+              <a:t>4/2/2018</a:t>
             </a:fld>
             <a:endParaRPr lang="en-US" dirty="0"/>
           </a:p>
@@ -1685,7 +1685,7 @@
             <a:fld id="{1D8BD707-D9CF-40AE-B4C6-C98DA3205C09}" type="datetimeFigureOut">
               <a:rPr lang="en-US" smtClean="0"/>
               <a:pPr/>
-              <a:t>3/22/2018</a:t>
+              <a:t>4/2/2018</a:t>
             </a:fld>
             <a:endParaRPr lang="en-US" dirty="0"/>
           </a:p>
@@ -1975,7 +1975,7 @@
             <a:fld id="{1D8BD707-D9CF-40AE-B4C6-C98DA3205C09}" type="datetimeFigureOut">
               <a:rPr lang="en-US" smtClean="0"/>
               <a:pPr/>
-              <a:t>3/22/2018</a:t>
+              <a:t>4/2/2018</a:t>
             </a:fld>
             <a:endParaRPr lang="en-US" dirty="0"/>
           </a:p>
@@ -2404,7 +2404,7 @@
             <a:fld id="{1D8BD707-D9CF-40AE-B4C6-C98DA3205C09}" type="datetimeFigureOut">
               <a:rPr lang="en-US" smtClean="0"/>
               <a:pPr/>
-              <a:t>3/22/2018</a:t>
+              <a:t>4/2/2018</a:t>
             </a:fld>
             <a:endParaRPr lang="en-US" dirty="0"/>
           </a:p>
@@ -2524,7 +2524,7 @@
             <a:fld id="{1D8BD707-D9CF-40AE-B4C6-C98DA3205C09}" type="datetimeFigureOut">
               <a:rPr lang="en-US" smtClean="0"/>
               <a:pPr/>
-              <a:t>3/22/2018</a:t>
+              <a:t>4/2/2018</a:t>
             </a:fld>
             <a:endParaRPr lang="en-US" dirty="0"/>
           </a:p>
@@ -2621,7 +2621,7 @@
             <a:fld id="{1D8BD707-D9CF-40AE-B4C6-C98DA3205C09}" type="datetimeFigureOut">
               <a:rPr lang="en-US" smtClean="0"/>
               <a:pPr/>
-              <a:t>3/22/2018</a:t>
+              <a:t>4/2/2018</a:t>
             </a:fld>
             <a:endParaRPr lang="en-US" dirty="0"/>
           </a:p>
@@ -2900,7 +2900,7 @@
             <a:fld id="{1D8BD707-D9CF-40AE-B4C6-C98DA3205C09}" type="datetimeFigureOut">
               <a:rPr lang="en-US" smtClean="0"/>
               <a:pPr/>
-              <a:t>3/22/2018</a:t>
+              <a:t>4/2/2018</a:t>
             </a:fld>
             <a:endParaRPr lang="en-US" dirty="0"/>
           </a:p>
@@ -3155,7 +3155,7 @@
             <a:fld id="{1D8BD707-D9CF-40AE-B4C6-C98DA3205C09}" type="datetimeFigureOut">
               <a:rPr lang="en-US" smtClean="0"/>
               <a:pPr/>
-              <a:t>3/22/2018</a:t>
+              <a:t>4/2/2018</a:t>
             </a:fld>
             <a:endParaRPr lang="en-US" dirty="0"/>
           </a:p>
@@ -3370,7 +3370,7 @@
             <a:fld id="{1D8BD707-D9CF-40AE-B4C6-C98DA3205C09}" type="datetimeFigureOut">
               <a:rPr lang="en-US" smtClean="0"/>
               <a:pPr/>
-              <a:t>3/22/2018</a:t>
+              <a:t>4/2/2018</a:t>
             </a:fld>
             <a:endParaRPr lang="en-US" dirty="0"/>
           </a:p>
@@ -4220,7 +4220,6 @@
               <a:rPr lang="en-US" sz="1200" dirty="0"/>
               <a:t>annotation to auto wire bean on the setter method, constructor or a field. Moreover, it can autowired property in a particular bean.</a:t>
             </a:r>
-            <a:endParaRPr lang="en-US" sz="1200" dirty="0"/>
           </a:p>
         </p:txBody>
       </p:sp>
@@ -4646,15 +4645,7 @@
             </a:pPr>
             <a:r>
               <a:rPr lang="en-US" sz="1200" dirty="0"/>
-              <a:t>Include &lt;</a:t>
-            </a:r>
-            <a:r>
-              <a:rPr lang="en-US" sz="1200" dirty="0"/>
-              <a:t>context:annotation-config</a:t>
-            </a:r>
-            <a:r>
-              <a:rPr lang="en-US" sz="1200" dirty="0"/>
-              <a:t> /&gt;</a:t>
+              <a:t>Include &lt;context:annotation-config /&gt;</a:t>
             </a:r>
           </a:p>
           <a:p>
@@ -4664,13 +4655,8 @@
             </a:pPr>
             <a:r>
               <a:rPr lang="en-US" sz="1200" dirty="0"/>
-              <a:t>Include </a:t>
-            </a:r>
-            <a:r>
-              <a:rPr lang="en-US" sz="1200" dirty="0"/>
-              <a:t>AutowiredAnnotationBeanPostProcessor</a:t>
-            </a:r>
-            <a:endParaRPr lang="en-US" sz="1200" dirty="0"/>
+              <a:t>Include AutowiredAnnotationBeanPostProcessor</a:t>
+            </a:r>
           </a:p>
           <a:p>
             <a:endParaRPr lang="en-US" sz="1200" dirty="0"/>
@@ -4710,6 +4696,44 @@
           </a:fontRef>
         </p:style>
       </p:cxnSp>
+      <p:sp>
+        <p:nvSpPr>
+          <p:cNvPr id="6" name="TextBox 5"/>
+          <p:cNvSpPr txBox="1"/>
+          <p:nvPr/>
+        </p:nvSpPr>
+        <p:spPr>
+          <a:xfrm>
+            <a:off x="6096000" y="1752600"/>
+            <a:ext cx="1391215" cy="369332"/>
+          </a:xfrm>
+          <a:prstGeom prst="rect">
+            <a:avLst/>
+          </a:prstGeom>
+          <a:noFill/>
+        </p:spPr>
+        <p:txBody>
+          <a:bodyPr wrap="none" rtlCol="0">
+            <a:spAutoFit/>
+          </a:bodyPr>
+          <a:lstStyle/>
+          <a:p>
+            <a:r>
+              <a:rPr lang="en-US" dirty="0" smtClean="0">
+                <a:solidFill>
+                  <a:srgbClr val="FF0000"/>
+                </a:solidFill>
+              </a:rPr>
+              <a:t>Name wrong</a:t>
+            </a:r>
+            <a:endParaRPr lang="en-US" dirty="0">
+              <a:solidFill>
+                <a:srgbClr val="FF0000"/>
+              </a:solidFill>
+            </a:endParaRPr>
+          </a:p>
+        </p:txBody>
+      </p:sp>
     </p:spTree>
     <p:extLst>
       <p:ext uri="{BB962C8B-B14F-4D97-AF65-F5344CB8AC3E}">
